--- a/Machine Learning Final Presentation.pptx
+++ b/Machine Learning Final Presentation.pptx
@@ -19,42 +19,43 @@
     <p:sldId id="264" r:id="rId13"/>
     <p:sldId id="265" r:id="rId14"/>
     <p:sldId id="266" r:id="rId15"/>
+    <p:sldId id="267" r:id="rId16"/>
   </p:sldIdLst>
   <p:sldSz cy="5143500" cx="9144000"/>
   <p:notesSz cx="6858000" cy="9144000"/>
   <p:embeddedFontLst>
     <p:embeddedFont>
       <p:font typeface="Anaheim"/>
-      <p:regular r:id="rId16"/>
-      <p:bold r:id="rId17"/>
+      <p:regular r:id="rId17"/>
+      <p:bold r:id="rId18"/>
     </p:embeddedFont>
     <p:embeddedFont>
       <p:font typeface="Crimson Text SemiBold"/>
-      <p:regular r:id="rId18"/>
-      <p:bold r:id="rId19"/>
-      <p:italic r:id="rId20"/>
-      <p:boldItalic r:id="rId21"/>
+      <p:regular r:id="rId19"/>
+      <p:bold r:id="rId20"/>
+      <p:italic r:id="rId21"/>
+      <p:boldItalic r:id="rId22"/>
     </p:embeddedFont>
     <p:embeddedFont>
       <p:font typeface="Bitter"/>
-      <p:regular r:id="rId22"/>
-      <p:bold r:id="rId23"/>
-      <p:italic r:id="rId24"/>
-      <p:boldItalic r:id="rId25"/>
+      <p:regular r:id="rId23"/>
+      <p:bold r:id="rId24"/>
+      <p:italic r:id="rId25"/>
+      <p:boldItalic r:id="rId26"/>
     </p:embeddedFont>
     <p:embeddedFont>
       <p:font typeface="DM Sans"/>
-      <p:regular r:id="rId26"/>
-      <p:bold r:id="rId27"/>
-      <p:italic r:id="rId28"/>
-      <p:boldItalic r:id="rId29"/>
+      <p:regular r:id="rId27"/>
+      <p:bold r:id="rId28"/>
+      <p:italic r:id="rId29"/>
+      <p:boldItalic r:id="rId30"/>
     </p:embeddedFont>
     <p:embeddedFont>
       <p:font typeface="Crimson Text"/>
-      <p:regular r:id="rId30"/>
-      <p:bold r:id="rId31"/>
-      <p:italic r:id="rId32"/>
-      <p:boldItalic r:id="rId33"/>
+      <p:regular r:id="rId31"/>
+      <p:bold r:id="rId32"/>
+      <p:italic r:id="rId33"/>
+      <p:boldItalic r:id="rId34"/>
     </p:embeddedFont>
   </p:embeddedFontLst>
   <p:defaultTextStyle>
@@ -833,7 +834,7 @@
       </p:grpSpPr>
       <p:sp>
         <p:nvSpPr>
-          <p:cNvPr id="600" name="Google Shape;600;g2d678b7b3f4_1_57:notes"/>
+          <p:cNvPr id="600" name="Google Shape;600;g31c8830fbe8_1_0:notes"/>
           <p:cNvSpPr/>
           <p:nvPr>
             <p:ph idx="2" type="sldImg"/>
@@ -868,7 +869,7 @@
       </p:sp>
       <p:sp>
         <p:nvSpPr>
-          <p:cNvPr id="601" name="Google Shape;601;g2d678b7b3f4_1_57:notes"/>
+          <p:cNvPr id="601" name="Google Shape;601;g31c8830fbe8_1_0:notes"/>
           <p:cNvSpPr txBox="1"/>
           <p:nvPr>
             <p:ph idx="1" type="body"/>
@@ -918,7 +919,7 @@
   <p:cSld>
     <p:spTree>
       <p:nvGrpSpPr>
-        <p:cNvPr id="604" name="Shape 604"/>
+        <p:cNvPr id="606" name="Shape 606"/>
         <p:cNvGrpSpPr/>
         <p:nvPr/>
       </p:nvGrpSpPr>
@@ -932,7 +933,7 @@
       </p:grpSpPr>
       <p:sp>
         <p:nvSpPr>
-          <p:cNvPr id="605" name="Google Shape;605;g2d678b7b3f4_1_62:notes"/>
+          <p:cNvPr id="607" name="Google Shape;607;g2d678b7b3f4_1_57:notes"/>
           <p:cNvSpPr/>
           <p:nvPr>
             <p:ph idx="2" type="sldImg"/>
@@ -967,7 +968,106 @@
       </p:sp>
       <p:sp>
         <p:nvSpPr>
-          <p:cNvPr id="606" name="Google Shape;606;g2d678b7b3f4_1_62:notes"/>
+          <p:cNvPr id="608" name="Google Shape;608;g2d678b7b3f4_1_57:notes"/>
+          <p:cNvSpPr txBox="1"/>
+          <p:nvPr>
+            <p:ph idx="1" type="body"/>
+          </p:nvPr>
+        </p:nvSpPr>
+        <p:spPr>
+          <a:xfrm>
+            <a:off x="685800" y="4343400"/>
+            <a:ext cx="5486400" cy="4114800"/>
+          </a:xfrm>
+          <a:prstGeom prst="rect">
+            <a:avLst/>
+          </a:prstGeom>
+        </p:spPr>
+        <p:txBody>
+          <a:bodyPr anchorCtr="0" anchor="t" bIns="91425" lIns="91425" spcFirstLastPara="1" rIns="91425" wrap="square" tIns="91425">
+            <a:noAutofit/>
+          </a:bodyPr>
+          <a:lstStyle/>
+          <a:p>
+            <a:pPr indent="0" lvl="0" marL="0" rtl="0" algn="l">
+              <a:spcBef>
+                <a:spcPts val="0"/>
+              </a:spcBef>
+              <a:spcAft>
+                <a:spcPts val="0"/>
+              </a:spcAft>
+              <a:buNone/>
+            </a:pPr>
+            <a:r>
+              <a:t/>
+            </a:r>
+            <a:endParaRPr/>
+          </a:p>
+        </p:txBody>
+      </p:sp>
+    </p:spTree>
+  </p:cSld>
+  <p:clrMapOvr>
+    <a:masterClrMapping/>
+  </p:clrMapOvr>
+</p:notes>
+</file>
+
+<file path=ppt/notesSlides/notesSlide12.xml><?xml version="1.0" encoding="utf-8"?>
+<p:notes xmlns:a="http://schemas.openxmlformats.org/drawingml/2006/main" xmlns:r="http://schemas.openxmlformats.org/officeDocument/2006/relationships" xmlns:mc="http://schemas.openxmlformats.org/markup-compatibility/2006" xmlns:mv="urn:schemas-microsoft-com:mac:vml" xmlns:p="http://schemas.openxmlformats.org/presentationml/2006/main" xmlns:c="http://schemas.openxmlformats.org/drawingml/2006/chart" xmlns:dgm="http://schemas.openxmlformats.org/drawingml/2006/diagram" xmlns:o="urn:schemas-microsoft-com:office:office" xmlns:v="urn:schemas-microsoft-com:vml" xmlns:pvml="urn:schemas-microsoft-com:office:powerpoint" xmlns:com="http://schemas.openxmlformats.org/drawingml/2006/compatibility" xmlns:p14="http://schemas.microsoft.com/office/powerpoint/2010/main" xmlns:p15="http://schemas.microsoft.com/office/powerpoint/2012/main" xmlns:ahyp="http://schemas.microsoft.com/office/drawing/2018/hyperlinkcolor" showMasterPhAnim="0" showMasterSp="0">
+  <p:cSld>
+    <p:spTree>
+      <p:nvGrpSpPr>
+        <p:cNvPr id="611" name="Shape 611"/>
+        <p:cNvGrpSpPr/>
+        <p:nvPr/>
+      </p:nvGrpSpPr>
+      <p:grpSpPr>
+        <a:xfrm>
+          <a:off x="0" y="0"/>
+          <a:ext cx="0" cy="0"/>
+          <a:chOff x="0" y="0"/>
+          <a:chExt cx="0" cy="0"/>
+        </a:xfrm>
+      </p:grpSpPr>
+      <p:sp>
+        <p:nvSpPr>
+          <p:cNvPr id="612" name="Google Shape;612;g2d678b7b3f4_1_62:notes"/>
+          <p:cNvSpPr/>
+          <p:nvPr>
+            <p:ph idx="2" type="sldImg"/>
+          </p:nvPr>
+        </p:nvSpPr>
+        <p:spPr>
+          <a:xfrm>
+            <a:off x="381300" y="685800"/>
+            <a:ext cx="6096000" cy="3429000"/>
+          </a:xfrm>
+          <a:custGeom>
+            <a:rect b="b" l="l" r="r" t="t"/>
+            <a:pathLst>
+              <a:path extrusionOk="0" h="120000" w="120000">
+                <a:moveTo>
+                  <a:pt x="0" y="0"/>
+                </a:moveTo>
+                <a:lnTo>
+                  <a:pt x="120000" y="0"/>
+                </a:lnTo>
+                <a:lnTo>
+                  <a:pt x="120000" y="120000"/>
+                </a:lnTo>
+                <a:lnTo>
+                  <a:pt x="0" y="120000"/>
+                </a:lnTo>
+                <a:close/>
+              </a:path>
+            </a:pathLst>
+          </a:custGeom>
+        </p:spPr>
+      </p:sp>
+      <p:sp>
+        <p:nvSpPr>
+          <p:cNvPr id="613" name="Google Shape;613;g2d678b7b3f4_1_62:notes"/>
           <p:cNvSpPr txBox="1"/>
           <p:nvPr>
             <p:ph idx="1" type="body"/>
@@ -41260,6 +41360,157 @@
         </p:nvSpPr>
         <p:spPr>
           <a:xfrm>
+            <a:off x="4408250" y="268850"/>
+            <a:ext cx="3918900" cy="1085100"/>
+          </a:xfrm>
+          <a:prstGeom prst="rect">
+            <a:avLst/>
+          </a:prstGeom>
+        </p:spPr>
+        <p:txBody>
+          <a:bodyPr anchorCtr="0" anchor="t" bIns="91425" lIns="91425" spcFirstLastPara="1" rIns="91425" wrap="square" tIns="91425">
+            <a:noAutofit/>
+          </a:bodyPr>
+          <a:lstStyle/>
+          <a:p>
+            <a:pPr indent="0" lvl="0" marL="0" rtl="0" algn="l">
+              <a:spcBef>
+                <a:spcPts val="0"/>
+              </a:spcBef>
+              <a:spcAft>
+                <a:spcPts val="0"/>
+              </a:spcAft>
+              <a:buNone/>
+            </a:pPr>
+            <a:r>
+              <a:rPr lang="en"/>
+              <a:t>Results</a:t>
+            </a:r>
+            <a:endParaRPr/>
+          </a:p>
+        </p:txBody>
+      </p:sp>
+      <p:sp>
+        <p:nvSpPr>
+          <p:cNvPr id="604" name="Google Shape;604;p30"/>
+          <p:cNvSpPr txBox="1"/>
+          <p:nvPr>
+            <p:ph idx="1" type="subTitle"/>
+          </p:nvPr>
+        </p:nvSpPr>
+        <p:spPr>
+          <a:xfrm>
+            <a:off x="6170900" y="1189950"/>
+            <a:ext cx="2632500" cy="2763600"/>
+          </a:xfrm>
+          <a:prstGeom prst="rect">
+            <a:avLst/>
+          </a:prstGeom>
+        </p:spPr>
+        <p:txBody>
+          <a:bodyPr anchorCtr="0" anchor="t" bIns="91425" lIns="91425" spcFirstLastPara="1" rIns="91425" wrap="square" tIns="91425">
+            <a:noAutofit/>
+          </a:bodyPr>
+          <a:lstStyle/>
+          <a:p>
+            <a:pPr indent="-330200" lvl="0" marL="457200" rtl="0" algn="l">
+              <a:spcBef>
+                <a:spcPts val="0"/>
+              </a:spcBef>
+              <a:spcAft>
+                <a:spcPts val="0"/>
+              </a:spcAft>
+              <a:buSzPts val="1600"/>
+              <a:buChar char="●"/>
+            </a:pPr>
+            <a:r>
+              <a:rPr lang="en"/>
+              <a:t>Main diagonal shows correct classifications - generally high.</a:t>
+            </a:r>
+            <a:endParaRPr/>
+          </a:p>
+          <a:p>
+            <a:pPr indent="-330200" lvl="0" marL="457200" rtl="0" algn="l">
+              <a:spcBef>
+                <a:spcPts val="0"/>
+              </a:spcBef>
+              <a:spcAft>
+                <a:spcPts val="0"/>
+              </a:spcAft>
+              <a:buSzPts val="1600"/>
+              <a:buChar char="●"/>
+            </a:pPr>
+            <a:r>
+              <a:rPr lang="en"/>
+              <a:t>Low rate of misclassifications outside this diagonal</a:t>
+            </a:r>
+            <a:endParaRPr/>
+          </a:p>
+        </p:txBody>
+      </p:sp>
+      <p:pic>
+        <p:nvPicPr>
+          <p:cNvPr id="605" name="Google Shape;605;p30"/>
+          <p:cNvPicPr preferRelativeResize="0"/>
+          <p:nvPr/>
+        </p:nvPicPr>
+        <p:blipFill>
+          <a:blip r:embed="rId3">
+            <a:alphaModFix/>
+          </a:blip>
+          <a:stretch>
+            <a:fillRect/>
+          </a:stretch>
+        </p:blipFill>
+        <p:spPr>
+          <a:xfrm>
+            <a:off x="456800" y="611925"/>
+            <a:ext cx="6691050" cy="3919649"/>
+          </a:xfrm>
+          <a:prstGeom prst="rect">
+            <a:avLst/>
+          </a:prstGeom>
+          <a:noFill/>
+          <a:ln>
+            <a:noFill/>
+          </a:ln>
+        </p:spPr>
+      </p:pic>
+    </p:spTree>
+  </p:cSld>
+  <p:clrMapOvr>
+    <a:masterClrMapping/>
+  </p:clrMapOvr>
+</p:sld>
+</file>
+
+<file path=ppt/slides/slide11.xml><?xml version="1.0" encoding="utf-8"?>
+<p:sld xmlns:a="http://schemas.openxmlformats.org/drawingml/2006/main" xmlns:r="http://schemas.openxmlformats.org/officeDocument/2006/relationships" xmlns:mc="http://schemas.openxmlformats.org/markup-compatibility/2006" xmlns:mv="urn:schemas-microsoft-com:mac:vml" xmlns:p="http://schemas.openxmlformats.org/presentationml/2006/main" xmlns:c="http://schemas.openxmlformats.org/drawingml/2006/chart" xmlns:dgm="http://schemas.openxmlformats.org/drawingml/2006/diagram" xmlns:o="urn:schemas-microsoft-com:office:office" xmlns:v="urn:schemas-microsoft-com:vml" xmlns:pvml="urn:schemas-microsoft-com:office:powerpoint" xmlns:com="http://schemas.openxmlformats.org/drawingml/2006/compatibility" xmlns:p14="http://schemas.microsoft.com/office/powerpoint/2010/main" xmlns:p15="http://schemas.microsoft.com/office/powerpoint/2012/main" xmlns:ahyp="http://schemas.microsoft.com/office/drawing/2018/hyperlinkcolor">
+  <p:cSld>
+    <p:spTree>
+      <p:nvGrpSpPr>
+        <p:cNvPr id="609" name="Shape 609"/>
+        <p:cNvGrpSpPr/>
+        <p:nvPr/>
+      </p:nvGrpSpPr>
+      <p:grpSpPr>
+        <a:xfrm>
+          <a:off x="0" y="0"/>
+          <a:ext cx="0" cy="0"/>
+          <a:chOff x="0" y="0"/>
+          <a:chExt cx="0" cy="0"/>
+        </a:xfrm>
+      </p:grpSpPr>
+      <p:sp>
+        <p:nvSpPr>
+          <p:cNvPr id="610" name="Google Shape;610;p31"/>
+          <p:cNvSpPr txBox="1"/>
+          <p:nvPr>
+            <p:ph type="title"/>
+          </p:nvPr>
+        </p:nvSpPr>
+        <p:spPr>
+          <a:xfrm>
             <a:off x="2158350" y="1728900"/>
             <a:ext cx="4827300" cy="1176600"/>
           </a:xfrm>
@@ -41298,12 +41549,12 @@
 </p:sld>
 </file>
 
-<file path=ppt/slides/slide11.xml><?xml version="1.0" encoding="utf-8"?>
+<file path=ppt/slides/slide12.xml><?xml version="1.0" encoding="utf-8"?>
 <p:sld xmlns:a="http://schemas.openxmlformats.org/drawingml/2006/main" xmlns:r="http://schemas.openxmlformats.org/officeDocument/2006/relationships" xmlns:mc="http://schemas.openxmlformats.org/markup-compatibility/2006" xmlns:mv="urn:schemas-microsoft-com:mac:vml" xmlns:p="http://schemas.openxmlformats.org/presentationml/2006/main" xmlns:c="http://schemas.openxmlformats.org/drawingml/2006/chart" xmlns:dgm="http://schemas.openxmlformats.org/drawingml/2006/diagram" xmlns:o="urn:schemas-microsoft-com:office:office" xmlns:v="urn:schemas-microsoft-com:vml" xmlns:pvml="urn:schemas-microsoft-com:office:powerpoint" xmlns:com="http://schemas.openxmlformats.org/drawingml/2006/compatibility" xmlns:p14="http://schemas.microsoft.com/office/powerpoint/2010/main" xmlns:p15="http://schemas.microsoft.com/office/powerpoint/2012/main" xmlns:ahyp="http://schemas.microsoft.com/office/drawing/2018/hyperlinkcolor">
   <p:cSld>
     <p:spTree>
       <p:nvGrpSpPr>
-        <p:cNvPr id="607" name="Shape 607"/>
+        <p:cNvPr id="614" name="Shape 614"/>
         <p:cNvGrpSpPr/>
         <p:nvPr/>
       </p:nvGrpSpPr>
@@ -41317,7 +41568,7 @@
       </p:grpSpPr>
       <p:sp>
         <p:nvSpPr>
-          <p:cNvPr id="608" name="Google Shape;608;p31"/>
+          <p:cNvPr id="615" name="Google Shape;615;p32"/>
           <p:cNvSpPr txBox="1"/>
           <p:nvPr>
             <p:ph type="title"/>
@@ -41357,7 +41608,7 @@
       </p:sp>
       <p:sp>
         <p:nvSpPr>
-          <p:cNvPr id="609" name="Google Shape;609;p31"/>
+          <p:cNvPr id="616" name="Google Shape;616;p32"/>
           <p:cNvSpPr txBox="1"/>
           <p:nvPr>
             <p:ph idx="4294967295" type="title"/>
@@ -41409,7 +41660,7 @@
       </p:sp>
       <p:sp>
         <p:nvSpPr>
-          <p:cNvPr id="610" name="Google Shape;610;p31"/>
+          <p:cNvPr id="617" name="Google Shape;617;p32"/>
           <p:cNvSpPr/>
           <p:nvPr/>
         </p:nvSpPr>
@@ -41469,7 +41720,7 @@
       </p:sp>
       <p:sp>
         <p:nvSpPr>
-          <p:cNvPr id="611" name="Google Shape;611;p31"/>
+          <p:cNvPr id="618" name="Google Shape;618;p32"/>
           <p:cNvSpPr txBox="1"/>
           <p:nvPr>
             <p:ph idx="4294967295" type="title"/>
@@ -41549,7 +41800,7 @@
       </p:sp>
       <p:sp>
         <p:nvSpPr>
-          <p:cNvPr id="612" name="Google Shape;612;p31"/>
+          <p:cNvPr id="619" name="Google Shape;619;p32"/>
           <p:cNvSpPr/>
           <p:nvPr/>
         </p:nvSpPr>
@@ -41609,7 +41860,7 @@
       </p:sp>
       <p:sp>
         <p:nvSpPr>
-          <p:cNvPr id="613" name="Google Shape;613;p31"/>
+          <p:cNvPr id="620" name="Google Shape;620;p32"/>
           <p:cNvSpPr txBox="1"/>
           <p:nvPr>
             <p:ph idx="4294967295" type="title"/>
@@ -41689,7 +41940,7 @@
       </p:sp>
       <p:sp>
         <p:nvSpPr>
-          <p:cNvPr id="614" name="Google Shape;614;p31"/>
+          <p:cNvPr id="621" name="Google Shape;621;p32"/>
           <p:cNvSpPr/>
           <p:nvPr/>
         </p:nvSpPr>
@@ -41749,7 +42000,7 @@
       </p:sp>
       <p:sp>
         <p:nvSpPr>
-          <p:cNvPr id="615" name="Google Shape;615;p31"/>
+          <p:cNvPr id="622" name="Google Shape;622;p32"/>
           <p:cNvSpPr/>
           <p:nvPr/>
         </p:nvSpPr>
@@ -41809,7 +42060,7 @@
       </p:sp>
       <p:sp>
         <p:nvSpPr>
-          <p:cNvPr id="616" name="Google Shape;616;p31"/>
+          <p:cNvPr id="623" name="Google Shape;623;p32"/>
           <p:cNvSpPr txBox="1"/>
           <p:nvPr>
             <p:ph idx="4294967295" type="title"/>
